--- a/Presentation.pptx
+++ b/Presentation.pptx
@@ -10,6 +10,7 @@
     <p:sldId id="261" r:id="rId4"/>
     <p:sldId id="259" r:id="rId5"/>
     <p:sldId id="272" r:id="rId6"/>
+    <p:sldId id="273" r:id="rId7"/>
   </p:sldIdLst>
   <p:sldSz cx="12192000" cy="6858000"/>
   <p:notesSz cx="6858000" cy="9144000"/>
@@ -118,6 +119,7 @@
             <p14:sldId id="261"/>
             <p14:sldId id="259"/>
             <p14:sldId id="272"/>
+            <p14:sldId id="273"/>
           </p14:sldIdLst>
         </p14:section>
         <p14:section name="Untitled Section" id="{0B21FD94-2B39-4B31-B9E5-091BD2914BB5}">
@@ -291,7 +293,7 @@
           <a:p>
             <a:fld id="{28A33EE3-AA99-4540-81B8-B0D9CFDF61FB}" type="datetimeFigureOut">
               <a:rPr lang="en-US" smtClean="0"/>
-              <a:t>7/7/2022</a:t>
+              <a:t>7/19/2022</a:t>
             </a:fld>
             <a:endParaRPr lang="en-US"/>
           </a:p>
@@ -459,7 +461,7 @@
           <a:p>
             <a:fld id="{28A33EE3-AA99-4540-81B8-B0D9CFDF61FB}" type="datetimeFigureOut">
               <a:rPr lang="en-US" smtClean="0"/>
-              <a:t>7/7/2022</a:t>
+              <a:t>7/19/2022</a:t>
             </a:fld>
             <a:endParaRPr lang="en-US"/>
           </a:p>
@@ -637,7 +639,7 @@
           <a:p>
             <a:fld id="{28A33EE3-AA99-4540-81B8-B0D9CFDF61FB}" type="datetimeFigureOut">
               <a:rPr lang="en-US" smtClean="0"/>
-              <a:t>7/7/2022</a:t>
+              <a:t>7/19/2022</a:t>
             </a:fld>
             <a:endParaRPr lang="en-US"/>
           </a:p>
@@ -805,7 +807,7 @@
           <a:p>
             <a:fld id="{28A33EE3-AA99-4540-81B8-B0D9CFDF61FB}" type="datetimeFigureOut">
               <a:rPr lang="en-US" smtClean="0"/>
-              <a:t>7/7/2022</a:t>
+              <a:t>7/19/2022</a:t>
             </a:fld>
             <a:endParaRPr lang="en-US"/>
           </a:p>
@@ -1050,7 +1052,7 @@
           <a:p>
             <a:fld id="{28A33EE3-AA99-4540-81B8-B0D9CFDF61FB}" type="datetimeFigureOut">
               <a:rPr lang="en-US" smtClean="0"/>
-              <a:t>7/7/2022</a:t>
+              <a:t>7/19/2022</a:t>
             </a:fld>
             <a:endParaRPr lang="en-US"/>
           </a:p>
@@ -1279,7 +1281,7 @@
           <a:p>
             <a:fld id="{28A33EE3-AA99-4540-81B8-B0D9CFDF61FB}" type="datetimeFigureOut">
               <a:rPr lang="en-US" smtClean="0"/>
-              <a:t>7/7/2022</a:t>
+              <a:t>7/19/2022</a:t>
             </a:fld>
             <a:endParaRPr lang="en-US"/>
           </a:p>
@@ -1643,7 +1645,7 @@
           <a:p>
             <a:fld id="{28A33EE3-AA99-4540-81B8-B0D9CFDF61FB}" type="datetimeFigureOut">
               <a:rPr lang="en-US" smtClean="0"/>
-              <a:t>7/7/2022</a:t>
+              <a:t>7/19/2022</a:t>
             </a:fld>
             <a:endParaRPr lang="en-US"/>
           </a:p>
@@ -1760,7 +1762,7 @@
           <a:p>
             <a:fld id="{28A33EE3-AA99-4540-81B8-B0D9CFDF61FB}" type="datetimeFigureOut">
               <a:rPr lang="en-US" smtClean="0"/>
-              <a:t>7/7/2022</a:t>
+              <a:t>7/19/2022</a:t>
             </a:fld>
             <a:endParaRPr lang="en-US"/>
           </a:p>
@@ -1855,7 +1857,7 @@
           <a:p>
             <a:fld id="{28A33EE3-AA99-4540-81B8-B0D9CFDF61FB}" type="datetimeFigureOut">
               <a:rPr lang="en-US" smtClean="0"/>
-              <a:t>7/7/2022</a:t>
+              <a:t>7/19/2022</a:t>
             </a:fld>
             <a:endParaRPr lang="en-US"/>
           </a:p>
@@ -2130,7 +2132,7 @@
           <a:p>
             <a:fld id="{28A33EE3-AA99-4540-81B8-B0D9CFDF61FB}" type="datetimeFigureOut">
               <a:rPr lang="en-US" smtClean="0"/>
-              <a:t>7/7/2022</a:t>
+              <a:t>7/19/2022</a:t>
             </a:fld>
             <a:endParaRPr lang="en-US"/>
           </a:p>
@@ -2382,7 +2384,7 @@
           <a:p>
             <a:fld id="{28A33EE3-AA99-4540-81B8-B0D9CFDF61FB}" type="datetimeFigureOut">
               <a:rPr lang="en-US" smtClean="0"/>
-              <a:t>7/7/2022</a:t>
+              <a:t>7/19/2022</a:t>
             </a:fld>
             <a:endParaRPr lang="en-US"/>
           </a:p>
@@ -2623,7 +2625,7 @@
           <a:p>
             <a:fld id="{28A33EE3-AA99-4540-81B8-B0D9CFDF61FB}" type="datetimeFigureOut">
               <a:rPr lang="en-US" smtClean="0"/>
-              <a:t>7/7/2022</a:t>
+              <a:t>7/19/2022</a:t>
             </a:fld>
             <a:endParaRPr lang="en-US"/>
           </a:p>
@@ -4187,7 +4189,7 @@
         <p:spPr>
           <a:xfrm>
             <a:off x="1893055" y="2662016"/>
-            <a:ext cx="8405890" cy="1200329"/>
+            <a:ext cx="8405890" cy="1938992"/>
           </a:xfrm>
           <a:prstGeom prst="rect">
             <a:avLst/>
@@ -4207,23 +4209,7 @@
                   <a:srgbClr val="49527C"/>
                 </a:solidFill>
               </a:rPr>
-              <a:t>Створення інтернет-магазину спортивного харчування із інтуїтивно зрозумілим інтерфейсом для покупців та зручним керуванням контентом магазину з </a:t>
-            </a:r>
-            <a:r>
-              <a:rPr lang="uk-UA" sz="2400" dirty="0" err="1">
-                <a:solidFill>
-                  <a:srgbClr val="49527C"/>
-                </a:solidFill>
-              </a:rPr>
-              <a:t>адмін</a:t>
-            </a:r>
-            <a:r>
-              <a:rPr lang="uk-UA" sz="2400" dirty="0">
-                <a:solidFill>
-                  <a:srgbClr val="49527C"/>
-                </a:solidFill>
-              </a:rPr>
-              <a:t> панелі.</a:t>
+              <a:t>Створення освітнього порталу для школи із інтуїтивно зрозумілим інтерфейсом для учнів і вчителів, також із зручним керуванням контентом, а саме: навчальними роками, класами, предметами, постами для предмету, домашніми завданнями та ін.</a:t>
             </a:r>
             <a:endParaRPr lang="en-US" sz="2400" dirty="0">
               <a:solidFill>
@@ -4293,7 +4279,7 @@
                 </a:solidFill>
                 <a:latin typeface="Calibri (Основний текст)"/>
               </a:rPr>
-              <a:t>Порівняння аналогів</a:t>
+              <a:t>Порівняння СУБД</a:t>
             </a:r>
             <a:endParaRPr lang="en-US" sz="6000" b="1" dirty="0">
               <a:solidFill>
@@ -4319,14 +4305,14 @@
           <p:nvPr>
             <p:extLst>
               <p:ext uri="{D42A27DB-BD31-4B8C-83A1-F6EECF244321}">
-                <p14:modId xmlns:p14="http://schemas.microsoft.com/office/powerpoint/2010/main" val="397112545"/>
+                <p14:modId xmlns:p14="http://schemas.microsoft.com/office/powerpoint/2010/main" val="653068164"/>
               </p:ext>
             </p:extLst>
           </p:nvPr>
         </p:nvGraphicFramePr>
         <p:xfrm>
           <a:off x="2145211" y="1980474"/>
-          <a:ext cx="7756671" cy="3941352"/>
+          <a:ext cx="7756671" cy="4144734"/>
         </p:xfrm>
         <a:graphic>
           <a:graphicData uri="http://schemas.openxmlformats.org/drawingml/2006/table">
@@ -4383,8 +4369,16 @@
                     <a:p>
                       <a:pPr algn="ctr"/>
                       <a:r>
-                        <a:rPr lang="uk-UA" sz="1400" b="1" dirty="0"/>
-                        <a:t>Інтернет-магазин</a:t>
+                        <a:rPr lang="uk-UA" sz="1800" b="1" kern="1200" dirty="0">
+                          <a:solidFill>
+                            <a:schemeClr val="lt1"/>
+                          </a:solidFill>
+                          <a:effectLst/>
+                          <a:latin typeface="+mn-lt"/>
+                          <a:ea typeface="+mn-ea"/>
+                          <a:cs typeface="+mn-cs"/>
+                        </a:rPr>
+                        <a:t>СУБД</a:t>
                       </a:r>
                       <a:endParaRPr lang="en-US" sz="1400" b="1" dirty="0"/>
                     </a:p>
@@ -4402,15 +4396,16 @@
                     <a:p>
                       <a:pPr algn="ctr"/>
                       <a:r>
-                        <a:rPr lang="uk-UA" sz="1400" b="1" dirty="0"/>
-                        <a:t>Гарний </a:t>
-                      </a:r>
-                    </a:p>
-                    <a:p>
-                      <a:pPr algn="ctr"/>
-                      <a:r>
-                        <a:rPr lang="uk-UA" sz="1400" b="1" dirty="0"/>
-                        <a:t>дизайн</a:t>
+                        <a:rPr lang="uk-UA" sz="1800" b="1" kern="1200" dirty="0">
+                          <a:solidFill>
+                            <a:schemeClr val="lt1"/>
+                          </a:solidFill>
+                          <a:effectLst/>
+                          <a:latin typeface="+mn-lt"/>
+                          <a:ea typeface="+mn-ea"/>
+                          <a:cs typeface="+mn-cs"/>
+                        </a:rPr>
+                        <a:t>Робота під керівництвом ОС</a:t>
                       </a:r>
                       <a:endParaRPr lang="en-US" sz="1400" b="1" dirty="0"/>
                     </a:p>
@@ -4428,8 +4423,16 @@
                     <a:p>
                       <a:pPr algn="ctr"/>
                       <a:r>
-                        <a:rPr lang="uk-UA" sz="1400" b="1" dirty="0" err="1"/>
-                        <a:t>Адаптив</a:t>
+                        <a:rPr lang="uk-UA" sz="1800" b="1" kern="1200" dirty="0">
+                          <a:solidFill>
+                            <a:schemeClr val="lt1"/>
+                          </a:solidFill>
+                          <a:effectLst/>
+                          <a:latin typeface="+mn-lt"/>
+                          <a:ea typeface="+mn-ea"/>
+                          <a:cs typeface="+mn-cs"/>
+                        </a:rPr>
+                        <a:t>Складність</a:t>
                       </a:r>
                       <a:endParaRPr lang="en-US" sz="1400" b="1" dirty="0"/>
                     </a:p>
@@ -4447,8 +4450,16 @@
                     <a:p>
                       <a:pPr algn="ctr"/>
                       <a:r>
-                        <a:rPr lang="uk-UA" sz="1400" b="1" dirty="0"/>
-                        <a:t>Популярність</a:t>
+                        <a:rPr lang="uk-UA" sz="1800" b="1" kern="1200" dirty="0">
+                          <a:solidFill>
+                            <a:schemeClr val="lt1"/>
+                          </a:solidFill>
+                          <a:effectLst/>
+                          <a:latin typeface="+mn-lt"/>
+                          <a:ea typeface="+mn-ea"/>
+                          <a:cs typeface="+mn-cs"/>
+                        </a:rPr>
+                        <a:t>Доступ до даних</a:t>
                       </a:r>
                       <a:endParaRPr lang="en-US" sz="1400" b="1" dirty="0"/>
                     </a:p>
@@ -4462,7 +4473,7 @@
                     <a:p>
                       <a:pPr algn="ctr"/>
                       <a:r>
-                        <a:rPr lang="uk-UA" sz="1400" b="1" kern="1200" dirty="0">
+                        <a:rPr lang="uk-UA" sz="1800" b="1" kern="1200" dirty="0">
                           <a:solidFill>
                             <a:schemeClr val="lt1"/>
                           </a:solidFill>
@@ -4471,7 +4482,31 @@
                           <a:ea typeface="+mn-ea"/>
                           <a:cs typeface="+mn-cs"/>
                         </a:rPr>
-                        <a:t>Зрозумілий  користувацький інтерфейс</a:t>
+                        <a:t>Підтримувані мови</a:t>
+                      </a:r>
+                      <a:endParaRPr lang="en-US" sz="1800" b="1" kern="1200" dirty="0">
+                        <a:solidFill>
+                          <a:schemeClr val="lt1"/>
+                        </a:solidFill>
+                        <a:effectLst/>
+                        <a:latin typeface="+mn-lt"/>
+                        <a:ea typeface="+mn-ea"/>
+                        <a:cs typeface="+mn-cs"/>
+                      </a:endParaRPr>
+                    </a:p>
+                    <a:p>
+                      <a:pPr algn="ctr"/>
+                      <a:r>
+                        <a:rPr lang="uk-UA" sz="1800" b="1" kern="1200" dirty="0">
+                          <a:solidFill>
+                            <a:schemeClr val="lt1"/>
+                          </a:solidFill>
+                          <a:effectLst/>
+                          <a:latin typeface="+mn-lt"/>
+                          <a:ea typeface="+mn-ea"/>
+                          <a:cs typeface="+mn-cs"/>
+                        </a:rPr>
+                        <a:t>програмування</a:t>
                       </a:r>
                       <a:endParaRPr lang="en-US" sz="1400" b="1" dirty="0"/>
                     </a:p>
@@ -4491,12 +4526,14 @@
                     <a:lstStyle/>
                     <a:p>
                       <a:pPr algn="ctr"/>
-                      <a:endParaRPr lang="uk-UA" sz="1400" b="1" dirty="0"/>
+                      <a:endParaRPr lang="uk-UA" sz="1400" b="1" dirty="0">
+                        <a:latin typeface="+mn-lt"/>
+                      </a:endParaRPr>
                     </a:p>
                     <a:p>
                       <a:pPr algn="ctr"/>
                       <a:r>
-                        <a:rPr lang="en-US" sz="1400" b="1" kern="1200" dirty="0" err="1">
+                        <a:rPr lang="uk-UA" sz="1400" b="1" kern="1200" dirty="0">
                           <a:solidFill>
                             <a:schemeClr val="dk1"/>
                           </a:solidFill>
@@ -4505,9 +4542,11 @@
                           <a:ea typeface="+mn-ea"/>
                           <a:cs typeface="+mn-cs"/>
                         </a:rPr>
-                        <a:t>Belok</a:t>
+                        <a:t>Microsoft SQL Server</a:t>
                       </a:r>
-                      <a:endParaRPr lang="en-US" sz="1400" b="1" dirty="0"/>
+                      <a:endParaRPr lang="en-US" sz="1400" b="1" dirty="0">
+                        <a:latin typeface="+mn-lt"/>
+                      </a:endParaRPr>
                     </a:p>
                   </a:txBody>
                   <a:tcPr/>
@@ -4518,15 +4557,27 @@
                     <a:lstStyle/>
                     <a:p>
                       <a:pPr algn="ctr"/>
-                      <a:endParaRPr lang="uk-UA" sz="1400" b="1" dirty="0"/>
+                      <a:endParaRPr lang="uk-UA" sz="1400" b="1" dirty="0">
+                        <a:latin typeface="+mn-lt"/>
+                      </a:endParaRPr>
                     </a:p>
                     <a:p>
                       <a:pPr algn="ctr"/>
                       <a:r>
-                        <a:rPr lang="uk-UA" sz="1400" b="1" dirty="0"/>
-                        <a:t>Так</a:t>
+                        <a:rPr lang="uk-UA" sz="1400" b="1" kern="1200" dirty="0">
+                          <a:solidFill>
+                            <a:schemeClr val="dk1"/>
+                          </a:solidFill>
+                          <a:effectLst/>
+                          <a:latin typeface="+mn-lt"/>
+                          <a:ea typeface="+mn-ea"/>
+                          <a:cs typeface="+mn-cs"/>
+                        </a:rPr>
+                        <a:t>Задовільно</a:t>
                       </a:r>
-                      <a:endParaRPr lang="en-US" sz="1400" b="1" dirty="0"/>
+                      <a:endParaRPr lang="en-US" sz="1400" b="1" dirty="0">
+                        <a:latin typeface="+mn-lt"/>
+                      </a:endParaRPr>
                     </a:p>
                   </a:txBody>
                   <a:tcPr/>
@@ -4537,15 +4588,27 @@
                     <a:lstStyle/>
                     <a:p>
                       <a:pPr algn="ctr"/>
-                      <a:endParaRPr lang="uk-UA" sz="1400" b="1" dirty="0"/>
+                      <a:endParaRPr lang="uk-UA" sz="1400" b="1" dirty="0">
+                        <a:latin typeface="+mn-lt"/>
+                      </a:endParaRPr>
                     </a:p>
                     <a:p>
                       <a:pPr algn="ctr"/>
                       <a:r>
-                        <a:rPr lang="uk-UA" sz="1400" b="1" dirty="0"/>
-                        <a:t>Ні</a:t>
+                        <a:rPr lang="uk-UA" sz="1400" b="1" kern="1200" dirty="0">
+                          <a:solidFill>
+                            <a:schemeClr val="dk1"/>
+                          </a:solidFill>
+                          <a:effectLst/>
+                          <a:latin typeface="+mn-lt"/>
+                          <a:ea typeface="+mn-ea"/>
+                          <a:cs typeface="+mn-cs"/>
+                        </a:rPr>
+                        <a:t>Відмінно</a:t>
                       </a:r>
-                      <a:endParaRPr lang="en-US" sz="1400" b="1" dirty="0"/>
+                      <a:endParaRPr lang="en-US" sz="1400" b="1" dirty="0">
+                        <a:latin typeface="+mn-lt"/>
+                      </a:endParaRPr>
                     </a:p>
                   </a:txBody>
                   <a:tcPr/>
@@ -4556,15 +4619,27 @@
                     <a:lstStyle/>
                     <a:p>
                       <a:pPr algn="ctr"/>
-                      <a:endParaRPr lang="uk-UA" sz="1400" b="1" dirty="0"/>
+                      <a:endParaRPr lang="uk-UA" sz="1400" b="1" dirty="0">
+                        <a:latin typeface="+mn-lt"/>
+                      </a:endParaRPr>
                     </a:p>
                     <a:p>
                       <a:pPr algn="ctr"/>
                       <a:r>
-                        <a:rPr lang="uk-UA" sz="1400" b="1" dirty="0"/>
-                        <a:t>Так</a:t>
+                        <a:rPr lang="uk-UA" sz="1400" b="1" kern="1200" dirty="0">
+                          <a:solidFill>
+                            <a:schemeClr val="dk1"/>
+                          </a:solidFill>
+                          <a:effectLst/>
+                          <a:latin typeface="+mn-lt"/>
+                          <a:ea typeface="+mn-ea"/>
+                          <a:cs typeface="+mn-cs"/>
+                        </a:rPr>
+                        <a:t>Відмінно</a:t>
                       </a:r>
-                      <a:endParaRPr lang="en-US" sz="1400" b="1" dirty="0"/>
+                      <a:endParaRPr lang="en-US" sz="1400" b="1" dirty="0">
+                        <a:latin typeface="+mn-lt"/>
+                      </a:endParaRPr>
                     </a:p>
                   </a:txBody>
                   <a:tcPr/>
@@ -4575,15 +4650,27 @@
                     <a:lstStyle/>
                     <a:p>
                       <a:pPr algn="ctr"/>
-                      <a:endParaRPr lang="uk-UA" sz="1400" b="1" dirty="0"/>
+                      <a:endParaRPr lang="uk-UA" sz="1400" b="1" dirty="0">
+                        <a:latin typeface="+mn-lt"/>
+                      </a:endParaRPr>
                     </a:p>
                     <a:p>
                       <a:pPr algn="ctr"/>
                       <a:r>
-                        <a:rPr lang="uk-UA" sz="1400" b="1" dirty="0"/>
-                        <a:t>Так</a:t>
+                        <a:rPr lang="uk-UA" sz="1400" b="1" kern="1200" dirty="0">
+                          <a:solidFill>
+                            <a:schemeClr val="dk1"/>
+                          </a:solidFill>
+                          <a:effectLst/>
+                          <a:latin typeface="+mn-lt"/>
+                          <a:ea typeface="+mn-ea"/>
+                          <a:cs typeface="+mn-cs"/>
+                        </a:rPr>
+                        <a:t>Відмінно</a:t>
                       </a:r>
-                      <a:endParaRPr lang="en-US" sz="1400" b="1" dirty="0"/>
+                      <a:endParaRPr lang="en-US" sz="1400" b="1" dirty="0">
+                        <a:latin typeface="+mn-lt"/>
+                      </a:endParaRPr>
                     </a:p>
                   </a:txBody>
                   <a:tcPr/>
@@ -4601,12 +4688,14 @@
                     <a:lstStyle/>
                     <a:p>
                       <a:pPr algn="ctr"/>
-                      <a:endParaRPr lang="uk-UA" sz="1400" b="1" dirty="0"/>
+                      <a:endParaRPr lang="uk-UA" sz="1400" b="1" dirty="0">
+                        <a:latin typeface="+mn-lt"/>
+                      </a:endParaRPr>
                     </a:p>
                     <a:p>
                       <a:pPr algn="ctr"/>
                       <a:r>
-                        <a:rPr lang="en-US" sz="1400" b="1" kern="1200" dirty="0" err="1">
+                        <a:rPr lang="uk-UA" sz="1400" b="1" kern="1200" dirty="0" err="1">
                           <a:solidFill>
                             <a:schemeClr val="dk1"/>
                           </a:solidFill>
@@ -4615,9 +4704,11 @@
                           <a:ea typeface="+mn-ea"/>
                           <a:cs typeface="+mn-cs"/>
                         </a:rPr>
-                        <a:t>SportMenu</a:t>
+                        <a:t>MongoDB</a:t>
                       </a:r>
-                      <a:endParaRPr lang="en-US" sz="1400" b="1" dirty="0"/>
+                      <a:endParaRPr lang="en-US" sz="1400" b="1" dirty="0">
+                        <a:latin typeface="+mn-lt"/>
+                      </a:endParaRPr>
                     </a:p>
                   </a:txBody>
                   <a:tcPr/>
@@ -4628,15 +4719,27 @@
                     <a:lstStyle/>
                     <a:p>
                       <a:pPr algn="ctr"/>
-                      <a:endParaRPr lang="uk-UA" sz="1400" b="1" dirty="0"/>
+                      <a:endParaRPr lang="uk-UA" sz="1400" b="1" dirty="0">
+                        <a:latin typeface="+mn-lt"/>
+                      </a:endParaRPr>
                     </a:p>
                     <a:p>
                       <a:pPr algn="ctr"/>
                       <a:r>
-                        <a:rPr lang="uk-UA" sz="1400" b="1" dirty="0"/>
-                        <a:t>Ні</a:t>
+                        <a:rPr lang="uk-UA" sz="1400" b="1" kern="1200" dirty="0">
+                          <a:solidFill>
+                            <a:schemeClr val="dk1"/>
+                          </a:solidFill>
+                          <a:effectLst/>
+                          <a:latin typeface="+mn-lt"/>
+                          <a:ea typeface="+mn-ea"/>
+                          <a:cs typeface="+mn-cs"/>
+                        </a:rPr>
+                        <a:t>Добре</a:t>
                       </a:r>
-                      <a:endParaRPr lang="en-US" sz="1400" b="1" dirty="0"/>
+                      <a:endParaRPr lang="en-US" sz="1400" b="1" dirty="0">
+                        <a:latin typeface="+mn-lt"/>
+                      </a:endParaRPr>
                     </a:p>
                   </a:txBody>
                   <a:tcPr/>
@@ -4647,15 +4750,27 @@
                     <a:lstStyle/>
                     <a:p>
                       <a:pPr algn="ctr"/>
-                      <a:endParaRPr lang="uk-UA" sz="1400" b="1" dirty="0"/>
+                      <a:endParaRPr lang="uk-UA" sz="1400" b="1" dirty="0">
+                        <a:latin typeface="+mn-lt"/>
+                      </a:endParaRPr>
                     </a:p>
                     <a:p>
                       <a:pPr algn="ctr"/>
                       <a:r>
-                        <a:rPr lang="uk-UA" sz="1400" b="1" dirty="0"/>
-                        <a:t>Ні</a:t>
+                        <a:rPr lang="uk-UA" sz="1400" b="1" kern="1200" dirty="0">
+                          <a:solidFill>
+                            <a:schemeClr val="dk1"/>
+                          </a:solidFill>
+                          <a:effectLst/>
+                          <a:latin typeface="+mn-lt"/>
+                          <a:ea typeface="+mn-ea"/>
+                          <a:cs typeface="+mn-cs"/>
+                        </a:rPr>
+                        <a:t>Добре</a:t>
                       </a:r>
-                      <a:endParaRPr lang="en-US" sz="1400" b="1" dirty="0"/>
+                      <a:endParaRPr lang="en-US" sz="1400" b="1" dirty="0">
+                        <a:latin typeface="+mn-lt"/>
+                      </a:endParaRPr>
                     </a:p>
                   </a:txBody>
                   <a:tcPr/>
@@ -4666,15 +4781,27 @@
                     <a:lstStyle/>
                     <a:p>
                       <a:pPr algn="ctr"/>
-                      <a:endParaRPr lang="uk-UA" sz="1400" b="1" dirty="0"/>
+                      <a:endParaRPr lang="uk-UA" sz="1400" b="1" dirty="0">
+                        <a:latin typeface="+mn-lt"/>
+                      </a:endParaRPr>
                     </a:p>
                     <a:p>
                       <a:pPr algn="ctr"/>
                       <a:r>
-                        <a:rPr lang="uk-UA" sz="1400" b="1" dirty="0"/>
-                        <a:t>Так</a:t>
+                        <a:rPr lang="uk-UA" sz="1400" b="1" kern="1200" dirty="0">
+                          <a:solidFill>
+                            <a:schemeClr val="dk1"/>
+                          </a:solidFill>
+                          <a:effectLst/>
+                          <a:latin typeface="+mn-lt"/>
+                          <a:ea typeface="+mn-ea"/>
+                          <a:cs typeface="+mn-cs"/>
+                        </a:rPr>
+                        <a:t>Відмінно</a:t>
                       </a:r>
-                      <a:endParaRPr lang="en-US" sz="1400" b="1" dirty="0"/>
+                      <a:endParaRPr lang="en-US" sz="1400" b="1" dirty="0">
+                        <a:latin typeface="+mn-lt"/>
+                      </a:endParaRPr>
                     </a:p>
                   </a:txBody>
                   <a:tcPr/>
@@ -4685,15 +4812,27 @@
                     <a:lstStyle/>
                     <a:p>
                       <a:pPr algn="ctr"/>
-                      <a:endParaRPr lang="uk-UA" sz="1400" b="1" dirty="0"/>
+                      <a:endParaRPr lang="uk-UA" sz="1400" b="1" dirty="0">
+                        <a:latin typeface="+mn-lt"/>
+                      </a:endParaRPr>
                     </a:p>
                     <a:p>
                       <a:pPr algn="ctr"/>
                       <a:r>
-                        <a:rPr lang="uk-UA" sz="1400" b="1" dirty="0"/>
-                        <a:t>Так</a:t>
+                        <a:rPr lang="uk-UA" sz="1400" b="1" kern="1200" dirty="0">
+                          <a:solidFill>
+                            <a:schemeClr val="dk1"/>
+                          </a:solidFill>
+                          <a:effectLst/>
+                          <a:latin typeface="+mn-lt"/>
+                          <a:ea typeface="+mn-ea"/>
+                          <a:cs typeface="+mn-cs"/>
+                        </a:rPr>
+                        <a:t>Відмінно</a:t>
                       </a:r>
-                      <a:endParaRPr lang="en-US" sz="1400" b="1" dirty="0"/>
+                      <a:endParaRPr lang="en-US" sz="1400" b="1" dirty="0">
+                        <a:latin typeface="+mn-lt"/>
+                      </a:endParaRPr>
                     </a:p>
                   </a:txBody>
                   <a:tcPr/>
@@ -4711,12 +4850,14 @@
                     <a:lstStyle/>
                     <a:p>
                       <a:pPr algn="ctr"/>
-                      <a:endParaRPr lang="uk-UA" sz="1400" b="1" dirty="0"/>
+                      <a:endParaRPr lang="uk-UA" sz="1400" b="1" dirty="0">
+                        <a:latin typeface="+mn-lt"/>
+                      </a:endParaRPr>
                     </a:p>
                     <a:p>
                       <a:pPr algn="ctr"/>
                       <a:r>
-                        <a:rPr lang="en-US" sz="1400" b="1" kern="1200" dirty="0">
+                        <a:rPr lang="uk-UA" sz="1400" b="1" kern="1200" dirty="0" err="1">
                           <a:solidFill>
                             <a:schemeClr val="dk1"/>
                           </a:solidFill>
@@ -4725,9 +4866,11 @@
                           <a:ea typeface="+mn-ea"/>
                           <a:cs typeface="+mn-cs"/>
                         </a:rPr>
-                        <a:t>BBR</a:t>
+                        <a:t>Postgresql</a:t>
                       </a:r>
-                      <a:endParaRPr lang="en-US" sz="1400" b="1" dirty="0"/>
+                      <a:endParaRPr lang="en-US" sz="1400" b="1" dirty="0">
+                        <a:latin typeface="+mn-lt"/>
+                      </a:endParaRPr>
                     </a:p>
                   </a:txBody>
                   <a:tcPr/>
@@ -4738,15 +4881,27 @@
                     <a:lstStyle/>
                     <a:p>
                       <a:pPr algn="ctr"/>
-                      <a:endParaRPr lang="uk-UA" sz="1400" b="1" dirty="0"/>
+                      <a:endParaRPr lang="uk-UA" sz="1400" b="1" dirty="0">
+                        <a:latin typeface="+mn-lt"/>
+                      </a:endParaRPr>
                     </a:p>
                     <a:p>
                       <a:pPr algn="ctr"/>
                       <a:r>
-                        <a:rPr lang="uk-UA" sz="1400" b="1" dirty="0"/>
-                        <a:t>Так</a:t>
+                        <a:rPr lang="uk-UA" sz="1400" b="1" kern="1200" dirty="0">
+                          <a:solidFill>
+                            <a:schemeClr val="dk1"/>
+                          </a:solidFill>
+                          <a:effectLst/>
+                          <a:latin typeface="+mn-lt"/>
+                          <a:ea typeface="+mn-ea"/>
+                          <a:cs typeface="+mn-cs"/>
+                        </a:rPr>
+                        <a:t>Добре</a:t>
                       </a:r>
-                      <a:endParaRPr lang="en-US" sz="1400" b="1" dirty="0"/>
+                      <a:endParaRPr lang="en-US" sz="1400" b="1" dirty="0">
+                        <a:latin typeface="+mn-lt"/>
+                      </a:endParaRPr>
                     </a:p>
                   </a:txBody>
                   <a:tcPr/>
@@ -4757,15 +4912,27 @@
                     <a:lstStyle/>
                     <a:p>
                       <a:pPr algn="ctr"/>
-                      <a:endParaRPr lang="uk-UA" sz="1400" b="1" dirty="0"/>
+                      <a:endParaRPr lang="uk-UA" sz="1400" b="1" dirty="0">
+                        <a:latin typeface="+mn-lt"/>
+                      </a:endParaRPr>
                     </a:p>
                     <a:p>
                       <a:pPr algn="ctr"/>
                       <a:r>
-                        <a:rPr lang="uk-UA" sz="1400" b="1" dirty="0"/>
-                        <a:t>Так</a:t>
+                        <a:rPr lang="uk-UA" sz="1400" b="1" kern="1200" dirty="0">
+                          <a:solidFill>
+                            <a:schemeClr val="dk1"/>
+                          </a:solidFill>
+                          <a:effectLst/>
+                          <a:latin typeface="+mn-lt"/>
+                          <a:ea typeface="+mn-ea"/>
+                          <a:cs typeface="+mn-cs"/>
+                        </a:rPr>
+                        <a:t>Відмінно</a:t>
                       </a:r>
-                      <a:endParaRPr lang="en-US" sz="1400" b="1" dirty="0"/>
+                      <a:endParaRPr lang="en-US" sz="1400" b="1" dirty="0">
+                        <a:latin typeface="+mn-lt"/>
+                      </a:endParaRPr>
                     </a:p>
                   </a:txBody>
                   <a:tcPr/>
@@ -4776,15 +4943,27 @@
                     <a:lstStyle/>
                     <a:p>
                       <a:pPr algn="ctr"/>
-                      <a:endParaRPr lang="uk-UA" sz="1400" b="1" dirty="0"/>
+                      <a:endParaRPr lang="uk-UA" sz="1400" b="1" dirty="0">
+                        <a:latin typeface="+mn-lt"/>
+                      </a:endParaRPr>
                     </a:p>
                     <a:p>
                       <a:pPr algn="ctr"/>
                       <a:r>
-                        <a:rPr lang="uk-UA" sz="1400" b="1" dirty="0"/>
-                        <a:t>Ні</a:t>
+                        <a:rPr lang="uk-UA" sz="1400" b="1" kern="1200" dirty="0">
+                          <a:solidFill>
+                            <a:schemeClr val="dk1"/>
+                          </a:solidFill>
+                          <a:effectLst/>
+                          <a:latin typeface="+mn-lt"/>
+                          <a:ea typeface="+mn-ea"/>
+                          <a:cs typeface="+mn-cs"/>
+                        </a:rPr>
+                        <a:t>Відмінно</a:t>
                       </a:r>
-                      <a:endParaRPr lang="en-US" sz="1400" b="1" dirty="0"/>
+                      <a:endParaRPr lang="en-US" sz="1400" b="1" dirty="0">
+                        <a:latin typeface="+mn-lt"/>
+                      </a:endParaRPr>
                     </a:p>
                   </a:txBody>
                   <a:tcPr/>
@@ -4795,15 +4974,27 @@
                     <a:lstStyle/>
                     <a:p>
                       <a:pPr algn="ctr"/>
-                      <a:endParaRPr lang="uk-UA" sz="1400" b="1" dirty="0"/>
+                      <a:endParaRPr lang="uk-UA" sz="1400" b="1" dirty="0">
+                        <a:latin typeface="+mn-lt"/>
+                      </a:endParaRPr>
                     </a:p>
                     <a:p>
                       <a:pPr algn="ctr"/>
                       <a:r>
-                        <a:rPr lang="uk-UA" sz="1400" b="1" dirty="0"/>
-                        <a:t>Так</a:t>
+                        <a:rPr lang="uk-UA" sz="1400" b="1" kern="1200" dirty="0">
+                          <a:solidFill>
+                            <a:schemeClr val="dk1"/>
+                          </a:solidFill>
+                          <a:effectLst/>
+                          <a:latin typeface="+mn-lt"/>
+                          <a:ea typeface="+mn-ea"/>
+                          <a:cs typeface="+mn-cs"/>
+                        </a:rPr>
+                        <a:t>Відмінно</a:t>
                       </a:r>
-                      <a:endParaRPr lang="en-US" sz="1400" b="1" dirty="0"/>
+                      <a:endParaRPr lang="en-US" sz="1400" b="1" dirty="0">
+                        <a:latin typeface="+mn-lt"/>
+                      </a:endParaRPr>
                     </a:p>
                   </a:txBody>
                   <a:tcPr/>
@@ -4918,7 +5109,7 @@
         </p:blipFill>
         <p:spPr bwMode="auto">
           <a:xfrm>
-            <a:off x="6248188" y="2990814"/>
+            <a:off x="6130616" y="1837225"/>
             <a:ext cx="2861619" cy="1907746"/>
           </a:xfrm>
           <a:prstGeom prst="rect">
@@ -5012,7 +5203,7 @@
         </p:blipFill>
         <p:spPr bwMode="auto">
           <a:xfrm>
-            <a:off x="6166390" y="1669243"/>
+            <a:off x="9279629" y="1920913"/>
             <a:ext cx="1649628" cy="1649628"/>
           </a:xfrm>
           <a:prstGeom prst="rect">
@@ -5059,7 +5250,7 @@
         </p:blipFill>
         <p:spPr bwMode="auto">
           <a:xfrm>
-            <a:off x="8968220" y="3934277"/>
+            <a:off x="6130616" y="3857853"/>
             <a:ext cx="2512541" cy="1036423"/>
           </a:xfrm>
           <a:prstGeom prst="rect">
@@ -5108,7 +5299,7 @@
         </p:blipFill>
         <p:spPr>
           <a:xfrm>
-            <a:off x="9191605" y="2492909"/>
+            <a:off x="9058837" y="3911226"/>
             <a:ext cx="2432092" cy="876526"/>
           </a:xfrm>
           <a:prstGeom prst="rect">
@@ -5118,87 +5309,57 @@
       </p:pic>
       <p:pic>
         <p:nvPicPr>
-          <p:cNvPr id="9" name="Picture 8">
+          <p:cNvPr id="3" name="Picture 6" descr="Combining JavaScript bundling, minification, cache busting, and easier  debugging | Volare Software">
             <a:extLst>
               <a:ext uri="{FF2B5EF4-FFF2-40B4-BE49-F238E27FC236}">
-                <a16:creationId xmlns:a16="http://schemas.microsoft.com/office/drawing/2014/main" id="{C7E3EF53-738A-4E7B-BD57-D5230B4CDF56}"/>
+                <a16:creationId xmlns:a16="http://schemas.microsoft.com/office/drawing/2014/main" id="{C0674AD2-9E87-4730-8CE8-AC012C9BD776}"/>
               </a:ext>
             </a:extLst>
           </p:cNvPr>
           <p:cNvPicPr>
-            <a:picLocks noChangeAspect="1"/>
+            <a:picLocks noChangeAspect="1" noChangeArrowheads="1"/>
           </p:cNvPicPr>
           <p:nvPr/>
         </p:nvPicPr>
         <p:blipFill>
-          <a:blip r:embed="rId8" cstate="print">
+          <a:blip r:embed="rId8">
             <a:extLst>
               <a:ext uri="{28A0092B-C50C-407E-A947-70E740481C1C}">
                 <a14:useLocalDpi xmlns:a14="http://schemas.microsoft.com/office/drawing/2010/main" val="0"/>
               </a:ext>
             </a:extLst>
           </a:blip>
+          <a:srcRect/>
           <a:stretch>
             <a:fillRect/>
           </a:stretch>
         </p:blipFill>
-        <p:spPr>
+        <p:spPr bwMode="auto">
           <a:xfrm>
-            <a:off x="6096000" y="4806259"/>
-            <a:ext cx="1407697" cy="1035764"/>
-          </a:xfrm>
-          <a:prstGeom prst="rect">
-            <a:avLst/>
-          </a:prstGeom>
-        </p:spPr>
-      </p:pic>
-      <p:sp>
-        <p:nvSpPr>
-          <p:cNvPr id="10" name="TextBox 9">
-            <a:extLst>
-              <a:ext uri="{FF2B5EF4-FFF2-40B4-BE49-F238E27FC236}">
-                <a16:creationId xmlns:a16="http://schemas.microsoft.com/office/drawing/2014/main" id="{94872AFF-A8C5-4EE3-B9E0-F4ED23C95DEC}"/>
-              </a:ext>
-            </a:extLst>
-          </p:cNvPr>
-          <p:cNvSpPr txBox="1"/>
-          <p:nvPr/>
-        </p:nvSpPr>
-        <p:spPr>
-          <a:xfrm>
-            <a:off x="7275631" y="5030143"/>
-            <a:ext cx="2075935" cy="461665"/>
+            <a:off x="2378115" y="1837225"/>
+            <a:ext cx="1649628" cy="1162923"/>
           </a:xfrm>
           <a:prstGeom prst="rect">
             <a:avLst/>
           </a:prstGeom>
           <a:noFill/>
+          <a:extLst>
+            <a:ext uri="{909E8E84-426E-40DD-AFC4-6F175D3DCCD1}">
+              <a14:hiddenFill xmlns:a14="http://schemas.microsoft.com/office/drawing/2010/main">
+                <a:solidFill>
+                  <a:srgbClr val="FFFFFF"/>
+                </a:solidFill>
+              </a14:hiddenFill>
+            </a:ext>
+          </a:extLst>
         </p:spPr>
-        <p:txBody>
-          <a:bodyPr wrap="square" rtlCol="0">
-            <a:spAutoFit/>
-          </a:bodyPr>
-          <a:lstStyle/>
-          <a:p>
-            <a:r>
-              <a:rPr lang="en-US" sz="2400" b="1" dirty="0">
-                <a:latin typeface="Dubai Medium" panose="020B0603030403030204" pitchFamily="34" charset="-78"/>
-                <a:cs typeface="Dubai Medium" panose="020B0603030403030204" pitchFamily="34" charset="-78"/>
-              </a:rPr>
-              <a:t>Ant Design</a:t>
-            </a:r>
-            <a:endParaRPr lang="ru-RU" sz="2400" b="1" dirty="0">
-              <a:cs typeface="Dubai Medium" panose="020B0603030403030204" pitchFamily="34" charset="-78"/>
-            </a:endParaRPr>
-          </a:p>
-        </p:txBody>
-      </p:sp>
+      </p:pic>
       <p:pic>
         <p:nvPicPr>
-          <p:cNvPr id="3" name="Picture 6" descr="Combining JavaScript bundling, minification, cache busting, and easier  debugging | Volare Software">
+          <p:cNvPr id="4" name="Picture 8" descr="ASPHostCentral.com - Cheap, Excellent, Instant Activation and Fast Entity  Framework 6 SSD Hosting on Clouds with Free Service">
             <a:extLst>
               <a:ext uri="{FF2B5EF4-FFF2-40B4-BE49-F238E27FC236}">
-                <a16:creationId xmlns:a16="http://schemas.microsoft.com/office/drawing/2014/main" id="{C0674AD2-9E87-4730-8CE8-AC012C9BD776}"/>
+                <a16:creationId xmlns:a16="http://schemas.microsoft.com/office/drawing/2014/main" id="{04DB8431-8647-4245-8C51-1B161FF6688F}"/>
               </a:ext>
             </a:extLst>
           </p:cNvPr>
@@ -5222,53 +5383,6 @@
         </p:blipFill>
         <p:spPr bwMode="auto">
           <a:xfrm>
-            <a:off x="2378115" y="1837225"/>
-            <a:ext cx="1649628" cy="1162923"/>
-          </a:xfrm>
-          <a:prstGeom prst="rect">
-            <a:avLst/>
-          </a:prstGeom>
-          <a:noFill/>
-          <a:extLst>
-            <a:ext uri="{909E8E84-426E-40DD-AFC4-6F175D3DCCD1}">
-              <a14:hiddenFill xmlns:a14="http://schemas.microsoft.com/office/drawing/2010/main">
-                <a:solidFill>
-                  <a:srgbClr val="FFFFFF"/>
-                </a:solidFill>
-              </a14:hiddenFill>
-            </a:ext>
-          </a:extLst>
-        </p:spPr>
-      </p:pic>
-      <p:pic>
-        <p:nvPicPr>
-          <p:cNvPr id="4" name="Picture 8" descr="ASPHostCentral.com - Cheap, Excellent, Instant Activation and Fast Entity  Framework 6 SSD Hosting on Clouds with Free Service">
-            <a:extLst>
-              <a:ext uri="{FF2B5EF4-FFF2-40B4-BE49-F238E27FC236}">
-                <a16:creationId xmlns:a16="http://schemas.microsoft.com/office/drawing/2014/main" id="{04DB8431-8647-4245-8C51-1B161FF6688F}"/>
-              </a:ext>
-            </a:extLst>
-          </p:cNvPr>
-          <p:cNvPicPr>
-            <a:picLocks noChangeAspect="1" noChangeArrowheads="1"/>
-          </p:cNvPicPr>
-          <p:nvPr/>
-        </p:nvPicPr>
-        <p:blipFill>
-          <a:blip r:embed="rId10">
-            <a:extLst>
-              <a:ext uri="{28A0092B-C50C-407E-A947-70E740481C1C}">
-                <a14:useLocalDpi xmlns:a14="http://schemas.microsoft.com/office/drawing/2010/main" val="0"/>
-              </a:ext>
-            </a:extLst>
-          </a:blip>
-          <a:srcRect/>
-          <a:stretch>
-            <a:fillRect/>
-          </a:stretch>
-        </p:blipFill>
-        <p:spPr bwMode="auto">
-          <a:xfrm>
             <a:off x="1996762" y="4590764"/>
             <a:ext cx="2346110" cy="1251259"/>
           </a:xfrm>
@@ -5291,6 +5405,111 @@
     <p:extLst>
       <p:ext uri="{BB962C8B-B14F-4D97-AF65-F5344CB8AC3E}">
         <p14:creationId xmlns:p14="http://schemas.microsoft.com/office/powerpoint/2010/main" val="2342047884"/>
+      </p:ext>
+    </p:extLst>
+  </p:cSld>
+  <p:clrMapOvr>
+    <a:masterClrMapping/>
+  </p:clrMapOvr>
+</p:sld>
+</file>
+
+<file path=ppt/slides/slide6.xml><?xml version="1.0" encoding="utf-8"?>
+<p:sld xmlns:a="http://schemas.openxmlformats.org/drawingml/2006/main" xmlns:r="http://schemas.openxmlformats.org/officeDocument/2006/relationships" xmlns:p="http://schemas.openxmlformats.org/presentationml/2006/main">
+  <p:cSld>
+    <p:spTree>
+      <p:nvGrpSpPr>
+        <p:cNvPr id="1" name=""/>
+        <p:cNvGrpSpPr/>
+        <p:nvPr/>
+      </p:nvGrpSpPr>
+      <p:grpSpPr>
+        <a:xfrm>
+          <a:off x="0" y="0"/>
+          <a:ext cx="0" cy="0"/>
+          <a:chOff x="0" y="0"/>
+          <a:chExt cx="0" cy="0"/>
+        </a:xfrm>
+      </p:grpSpPr>
+      <p:pic>
+        <p:nvPicPr>
+          <p:cNvPr id="4" name="Picture 3">
+            <a:extLst>
+              <a:ext uri="{FF2B5EF4-FFF2-40B4-BE49-F238E27FC236}">
+                <a16:creationId xmlns:a16="http://schemas.microsoft.com/office/drawing/2014/main" id="{0773A375-5E10-4063-B720-D6B568988818}"/>
+              </a:ext>
+            </a:extLst>
+          </p:cNvPr>
+          <p:cNvPicPr/>
+          <p:nvPr/>
+        </p:nvPicPr>
+        <p:blipFill>
+          <a:blip r:embed="rId2"/>
+          <a:stretch>
+            <a:fillRect/>
+          </a:stretch>
+        </p:blipFill>
+        <p:spPr>
+          <a:xfrm>
+            <a:off x="1393219" y="1633601"/>
+            <a:ext cx="9536038" cy="5062151"/>
+          </a:xfrm>
+          <a:prstGeom prst="rect">
+            <a:avLst/>
+          </a:prstGeom>
+        </p:spPr>
+      </p:pic>
+      <p:sp>
+        <p:nvSpPr>
+          <p:cNvPr id="5" name="Title 1">
+            <a:extLst>
+              <a:ext uri="{FF2B5EF4-FFF2-40B4-BE49-F238E27FC236}">
+                <a16:creationId xmlns:a16="http://schemas.microsoft.com/office/drawing/2014/main" id="{08E44D66-3017-429F-92B5-69E15E6FD8B4}"/>
+              </a:ext>
+            </a:extLst>
+          </p:cNvPr>
+          <p:cNvSpPr>
+            <a:spLocks noGrp="1"/>
+          </p:cNvSpPr>
+          <p:nvPr>
+            <p:ph type="title"/>
+          </p:nvPr>
+        </p:nvSpPr>
+        <p:spPr>
+          <a:xfrm>
+            <a:off x="1331976" y="308038"/>
+            <a:ext cx="9597281" cy="1325563"/>
+          </a:xfrm>
+        </p:spPr>
+        <p:txBody>
+          <a:bodyPr>
+            <a:normAutofit/>
+          </a:bodyPr>
+          <a:lstStyle/>
+          <a:p>
+            <a:pPr algn="ctr"/>
+            <a:r>
+              <a:rPr lang="uk-UA" sz="6000" b="1" dirty="0">
+                <a:solidFill>
+                  <a:srgbClr val="49527C"/>
+                </a:solidFill>
+                <a:latin typeface="Calibri (Основний текст)"/>
+              </a:rPr>
+              <a:t>Таблиці у БД</a:t>
+            </a:r>
+            <a:endParaRPr lang="en-US" sz="6000" b="1" dirty="0">
+              <a:solidFill>
+                <a:srgbClr val="49527C"/>
+              </a:solidFill>
+              <a:latin typeface="Calibri (Основний текст)"/>
+            </a:endParaRPr>
+          </a:p>
+        </p:txBody>
+      </p:sp>
+    </p:spTree>
+    <p:extLst>
+      <p:ext uri="{BB962C8B-B14F-4D97-AF65-F5344CB8AC3E}">
+        <p14:creationId xmlns:p14="http://schemas.microsoft.com/office/powerpoint/2010/main" val="894214152"/>
       </p:ext>
     </p:extLst>
   </p:cSld>
